--- a/ijcv2018/Presentation1.pptx
+++ b/ijcv2018/Presentation1.pptx
@@ -104,6 +104,11 @@
       </a:defRPr>
     </a:lvl9pPr>
   </p:defaultTextStyle>
+  <p:extLst>
+    <p:ext uri="{EFAFB233-063F-42B5-8137-9DF3F51BA10A}">
+      <p15:sldGuideLst xmlns:p15="http://schemas.microsoft.com/office/powerpoint/2012/main"/>
+    </p:ext>
+  </p:extLst>
 </p:presentation>
 </file>
 
@@ -3429,7 +3434,7 @@
             <p:nvPr/>
           </p:nvPicPr>
           <p:blipFill>
-            <a:blip r:embed="rId3">
+            <a:blip r:embed="rId2">
               <a:extLst>
                 <a:ext uri="{28A0092B-C50C-407E-A947-70E740481C1C}">
                   <a14:useLocalDpi xmlns:a14="http://schemas.microsoft.com/office/drawing/2010/main" val="0"/>
@@ -3476,7 +3481,7 @@
             <p:nvPr/>
           </p:nvPicPr>
           <p:blipFill>
-            <a:blip r:embed="rId4">
+            <a:blip r:embed="rId3">
               <a:extLst>
                 <a:ext uri="{28A0092B-C50C-407E-A947-70E740481C1C}">
                   <a14:useLocalDpi xmlns:a14="http://schemas.microsoft.com/office/drawing/2010/main" val="0"/>
@@ -3628,7 +3633,7 @@
             <p:nvPr/>
           </p:nvPicPr>
           <p:blipFill>
-            <a:blip r:embed="rId5">
+            <a:blip r:embed="rId4">
               <a:extLst>
                 <a:ext uri="{28A0092B-C50C-407E-A947-70E740481C1C}">
                   <a14:useLocalDpi xmlns:a14="http://schemas.microsoft.com/office/drawing/2010/main" val="0"/>
